--- a/lectures/powerpoints/hands-on-3+washup.pptx
+++ b/lectures/powerpoints/hands-on-3+washup.pptx
@@ -5,18 +5,16 @@
     <p:sldMasterId id="2147483660" r:id="rId1"/>
   </p:sldMasterIdLst>
   <p:notesMasterIdLst>
-    <p:notesMasterId r:id="rId8"/>
+    <p:notesMasterId r:id="rId6"/>
   </p:notesMasterIdLst>
   <p:handoutMasterIdLst>
-    <p:handoutMasterId r:id="rId9"/>
+    <p:handoutMasterId r:id="rId7"/>
   </p:handoutMasterIdLst>
   <p:sldIdLst>
     <p:sldId id="286" r:id="rId2"/>
     <p:sldId id="4761" r:id="rId3"/>
     <p:sldId id="4762" r:id="rId4"/>
-    <p:sldId id="4763" r:id="rId5"/>
-    <p:sldId id="4765" r:id="rId6"/>
-    <p:sldId id="4769" r:id="rId7"/>
+    <p:sldId id="4765" r:id="rId5"/>
   </p:sldIdLst>
   <p:sldSz cx="12192000" cy="6858000"/>
   <p:notesSz cx="6858000" cy="9144000"/>
@@ -140,7 +138,7 @@
 <file path=ppt/revisionInfo.xml><?xml version="1.0" encoding="utf-8"?>
 <p1510:revInfo xmlns:a="http://schemas.openxmlformats.org/drawingml/2006/main" xmlns:r="http://schemas.openxmlformats.org/officeDocument/2006/relationships" xmlns:p1510="http://schemas.microsoft.com/office/powerpoint/2015/10/main">
   <p1510:revLst>
-    <p1510:client id="{FC271AF9-2AEA-492D-BBE0-1C724531AF59}" v="67" dt="2023-12-03T18:30:11.512"/>
+    <p1510:client id="{61F3EA0A-0E88-4BDE-8E2F-F18EF41F0D66}" v="3" dt="2023-12-19T19:03:04.421"/>
   </p1510:revLst>
 </p1510:revInfo>
 </file>
@@ -202,7 +200,7 @@
           <a:p>
             <a:fld id="{237A3326-6BE8-4DE2-A526-66D6DC5DC342}" type="datetimeFigureOut">
               <a:rPr lang="en-GB" smtClean="0"/>
-              <a:t>06/12/2023</a:t>
+              <a:t>19/12/2023</a:t>
             </a:fld>
             <a:endParaRPr lang="en-GB"/>
           </a:p>
@@ -379,7 +377,7 @@
           <a:p>
             <a:fld id="{198E9702-0021-4473-93B9-41638846F4C4}" type="datetimeFigureOut">
               <a:rPr lang="en-GB" smtClean="0"/>
-              <a:t>06/12/2023</a:t>
+              <a:t>19/12/2023</a:t>
             </a:fld>
             <a:endParaRPr lang="en-GB"/>
           </a:p>
@@ -1036,217 +1034,7 @@
     </p:spTree>
     <p:extLst>
       <p:ext uri="{BB962C8B-B14F-4D97-AF65-F5344CB8AC3E}">
-        <p14:creationId xmlns:p14="http://schemas.microsoft.com/office/powerpoint/2010/main" val="888251269"/>
-      </p:ext>
-    </p:extLst>
-  </p:cSld>
-  <p:clrMapOvr>
-    <a:masterClrMapping/>
-  </p:clrMapOvr>
-</p:notes>
-</file>
-
-<file path=ppt/notesSlides/notesSlide5.xml><?xml version="1.0" encoding="utf-8"?>
-<p:notes xmlns:a="http://schemas.openxmlformats.org/drawingml/2006/main" xmlns:r="http://schemas.openxmlformats.org/officeDocument/2006/relationships" xmlns:p="http://schemas.openxmlformats.org/presentationml/2006/main">
-  <p:cSld>
-    <p:spTree>
-      <p:nvGrpSpPr>
-        <p:cNvPr id="1" name=""/>
-        <p:cNvGrpSpPr/>
-        <p:nvPr/>
-      </p:nvGrpSpPr>
-      <p:grpSpPr>
-        <a:xfrm>
-          <a:off x="0" y="0"/>
-          <a:ext cx="0" cy="0"/>
-          <a:chOff x="0" y="0"/>
-          <a:chExt cx="0" cy="0"/>
-        </a:xfrm>
-      </p:grpSpPr>
-      <p:sp>
-        <p:nvSpPr>
-          <p:cNvPr id="2" name="Slide Image Placeholder 1"/>
-          <p:cNvSpPr>
-            <a:spLocks noGrp="1" noRot="1" noChangeAspect="1"/>
-          </p:cNvSpPr>
-          <p:nvPr>
-            <p:ph type="sldImg"/>
-          </p:nvPr>
-        </p:nvSpPr>
-        <p:spPr/>
-      </p:sp>
-      <p:sp>
-        <p:nvSpPr>
-          <p:cNvPr id="3" name="Notes Placeholder 2"/>
-          <p:cNvSpPr>
-            <a:spLocks noGrp="1"/>
-          </p:cNvSpPr>
-          <p:nvPr>
-            <p:ph type="body" idx="1"/>
-          </p:nvPr>
-        </p:nvSpPr>
-        <p:spPr/>
-        <p:txBody>
-          <a:bodyPr/>
-          <a:lstStyle/>
-          <a:p>
-            <a:r>
-              <a:rPr lang="en-US"/>
-              <a:t>When programming the CS-2 device, you’ll leverage our new CSL programming language</a:t>
-            </a:r>
-          </a:p>
-          <a:p>
-            <a:r>
-              <a:rPr lang="en-US"/>
-              <a:t>CSL contains common constructs familiar to most programmers and CSL-specific constructs</a:t>
-            </a:r>
-          </a:p>
-          <a:p>
-            <a:r>
-              <a:rPr lang="en-US"/>
-              <a:t>We’ll cover what some of these look like, </a:t>
-            </a:r>
-          </a:p>
-          <a:p>
-            <a:r>
-              <a:rPr lang="en-US"/>
-              <a:t>But most users who have written C or C++ should be very comfortable using CSL</a:t>
-            </a:r>
-          </a:p>
-        </p:txBody>
-      </p:sp>
-      <p:sp>
-        <p:nvSpPr>
-          <p:cNvPr id="4" name="Slide Number Placeholder 3"/>
-          <p:cNvSpPr>
-            <a:spLocks noGrp="1"/>
-          </p:cNvSpPr>
-          <p:nvPr>
-            <p:ph type="sldNum" sz="quarter" idx="5"/>
-          </p:nvPr>
-        </p:nvSpPr>
-        <p:spPr/>
-        <p:txBody>
-          <a:bodyPr/>
-          <a:lstStyle/>
-          <a:p>
-            <a:fld id="{BB11C354-30B1-BA44-B517-A5A88A902768}" type="slidenum">
-              <a:rPr lang="en-US" smtClean="0"/>
-              <a:t>5</a:t>
-            </a:fld>
-            <a:endParaRPr lang="en-US"/>
-          </a:p>
-        </p:txBody>
-      </p:sp>
-    </p:spTree>
-    <p:extLst>
-      <p:ext uri="{BB962C8B-B14F-4D97-AF65-F5344CB8AC3E}">
         <p14:creationId xmlns:p14="http://schemas.microsoft.com/office/powerpoint/2010/main" val="3045615905"/>
-      </p:ext>
-    </p:extLst>
-  </p:cSld>
-  <p:clrMapOvr>
-    <a:masterClrMapping/>
-  </p:clrMapOvr>
-</p:notes>
-</file>
-
-<file path=ppt/notesSlides/notesSlide6.xml><?xml version="1.0" encoding="utf-8"?>
-<p:notes xmlns:a="http://schemas.openxmlformats.org/drawingml/2006/main" xmlns:r="http://schemas.openxmlformats.org/officeDocument/2006/relationships" xmlns:p="http://schemas.openxmlformats.org/presentationml/2006/main">
-  <p:cSld>
-    <p:spTree>
-      <p:nvGrpSpPr>
-        <p:cNvPr id="1" name=""/>
-        <p:cNvGrpSpPr/>
-        <p:nvPr/>
-      </p:nvGrpSpPr>
-      <p:grpSpPr>
-        <a:xfrm>
-          <a:off x="0" y="0"/>
-          <a:ext cx="0" cy="0"/>
-          <a:chOff x="0" y="0"/>
-          <a:chExt cx="0" cy="0"/>
-        </a:xfrm>
-      </p:grpSpPr>
-      <p:sp>
-        <p:nvSpPr>
-          <p:cNvPr id="2" name="Slide Image Placeholder 1"/>
-          <p:cNvSpPr>
-            <a:spLocks noGrp="1" noRot="1" noChangeAspect="1"/>
-          </p:cNvSpPr>
-          <p:nvPr>
-            <p:ph type="sldImg"/>
-          </p:nvPr>
-        </p:nvSpPr>
-        <p:spPr/>
-      </p:sp>
-      <p:sp>
-        <p:nvSpPr>
-          <p:cNvPr id="3" name="Notes Placeholder 2"/>
-          <p:cNvSpPr>
-            <a:spLocks noGrp="1"/>
-          </p:cNvSpPr>
-          <p:nvPr>
-            <p:ph type="body" idx="1"/>
-          </p:nvPr>
-        </p:nvSpPr>
-        <p:spPr/>
-        <p:txBody>
-          <a:bodyPr/>
-          <a:lstStyle/>
-          <a:p>
-            <a:r>
-              <a:rPr lang="en-US"/>
-              <a:t>When programming the CS-2 device, you’ll leverage our new CSL programming language</a:t>
-            </a:r>
-          </a:p>
-          <a:p>
-            <a:r>
-              <a:rPr lang="en-US"/>
-              <a:t>CSL contains common constructs familiar to most programmers and CSL-specific constructs</a:t>
-            </a:r>
-          </a:p>
-          <a:p>
-            <a:r>
-              <a:rPr lang="en-US"/>
-              <a:t>We’ll cover what some of these look like, </a:t>
-            </a:r>
-          </a:p>
-          <a:p>
-            <a:r>
-              <a:rPr lang="en-US"/>
-              <a:t>But most users who have written C or C++ should be very comfortable using CSL</a:t>
-            </a:r>
-          </a:p>
-        </p:txBody>
-      </p:sp>
-      <p:sp>
-        <p:nvSpPr>
-          <p:cNvPr id="4" name="Slide Number Placeholder 3"/>
-          <p:cNvSpPr>
-            <a:spLocks noGrp="1"/>
-          </p:cNvSpPr>
-          <p:nvPr>
-            <p:ph type="sldNum" sz="quarter" idx="5"/>
-          </p:nvPr>
-        </p:nvSpPr>
-        <p:spPr/>
-        <p:txBody>
-          <a:bodyPr/>
-          <a:lstStyle/>
-          <a:p>
-            <a:fld id="{BB11C354-30B1-BA44-B517-A5A88A902768}" type="slidenum">
-              <a:rPr lang="en-US" smtClean="0"/>
-              <a:t>6</a:t>
-            </a:fld>
-            <a:endParaRPr lang="en-US"/>
-          </a:p>
-        </p:txBody>
-      </p:sp>
-    </p:spTree>
-    <p:extLst>
-      <p:ext uri="{BB962C8B-B14F-4D97-AF65-F5344CB8AC3E}">
-        <p14:creationId xmlns:p14="http://schemas.microsoft.com/office/powerpoint/2010/main" val="2576268347"/>
       </p:ext>
     </p:extLst>
   </p:cSld>
@@ -1416,7 +1204,7 @@
           <a:p>
             <a:fld id="{B1836D41-3C4D-1D49-AA54-4231464E6415}" type="datetimeFigureOut">
               <a:rPr lang="en-US" smtClean="0"/>
-              <a:t>12/6/23</a:t>
+              <a:t>12/19/2023</a:t>
             </a:fld>
             <a:endParaRPr lang="en-US"/>
           </a:p>
@@ -1620,7 +1408,7 @@
           <a:p>
             <a:fld id="{B1836D41-3C4D-1D49-AA54-4231464E6415}" type="datetimeFigureOut">
               <a:rPr lang="en-US" smtClean="0"/>
-              <a:t>12/6/23</a:t>
+              <a:t>12/19/2023</a:t>
             </a:fld>
             <a:endParaRPr lang="en-US"/>
           </a:p>
@@ -1801,7 +1589,7 @@
           <a:p>
             <a:fld id="{B1836D41-3C4D-1D49-AA54-4231464E6415}" type="datetimeFigureOut">
               <a:rPr lang="en-US" smtClean="0"/>
-              <a:t>12/6/23</a:t>
+              <a:t>12/19/2023</a:t>
             </a:fld>
             <a:endParaRPr lang="en-US"/>
           </a:p>
@@ -1976,7 +1764,7 @@
           <a:p>
             <a:fld id="{B1836D41-3C4D-1D49-AA54-4231464E6415}" type="datetimeFigureOut">
               <a:rPr lang="en-US" smtClean="0"/>
-              <a:t>12/6/23</a:t>
+              <a:t>12/19/2023</a:t>
             </a:fld>
             <a:endParaRPr lang="en-US"/>
           </a:p>
@@ -2224,7 +2012,7 @@
           <a:p>
             <a:fld id="{B1836D41-3C4D-1D49-AA54-4231464E6415}" type="datetimeFigureOut">
               <a:rPr lang="en-US" smtClean="0"/>
-              <a:t>12/6/23</a:t>
+              <a:t>12/19/2023</a:t>
             </a:fld>
             <a:endParaRPr lang="en-US"/>
           </a:p>
@@ -2541,7 +2329,7 @@
           <a:p>
             <a:fld id="{B1836D41-3C4D-1D49-AA54-4231464E6415}" type="datetimeFigureOut">
               <a:rPr lang="en-US" smtClean="0"/>
-              <a:t>12/6/23</a:t>
+              <a:t>12/19/2023</a:t>
             </a:fld>
             <a:endParaRPr lang="en-US"/>
           </a:p>
@@ -3007,7 +2795,7 @@
           <a:p>
             <a:fld id="{B1836D41-3C4D-1D49-AA54-4231464E6415}" type="datetimeFigureOut">
               <a:rPr lang="en-US" smtClean="0"/>
-              <a:t>12/6/23</a:t>
+              <a:t>12/19/2023</a:t>
             </a:fld>
             <a:endParaRPr lang="en-US"/>
           </a:p>
@@ -3154,7 +2942,7 @@
           <a:p>
             <a:fld id="{B1836D41-3C4D-1D49-AA54-4231464E6415}" type="datetimeFigureOut">
               <a:rPr lang="en-US" smtClean="0"/>
-              <a:t>12/6/23</a:t>
+              <a:t>12/19/2023</a:t>
             </a:fld>
             <a:endParaRPr lang="en-US"/>
           </a:p>
@@ -3244,7 +3032,7 @@
           <a:p>
             <a:fld id="{B1836D41-3C4D-1D49-AA54-4231464E6415}" type="datetimeFigureOut">
               <a:rPr lang="en-US" smtClean="0"/>
-              <a:t>12/6/23</a:t>
+              <a:t>12/19/2023</a:t>
             </a:fld>
             <a:endParaRPr lang="en-US"/>
           </a:p>
@@ -3518,7 +3306,7 @@
           <a:p>
             <a:fld id="{B1836D41-3C4D-1D49-AA54-4231464E6415}" type="datetimeFigureOut">
               <a:rPr lang="en-US" smtClean="0"/>
-              <a:t>12/6/23</a:t>
+              <a:t>12/19/2023</a:t>
             </a:fld>
             <a:endParaRPr lang="en-US"/>
           </a:p>
@@ -3823,7 +3611,7 @@
           <a:p>
             <a:fld id="{B1836D41-3C4D-1D49-AA54-4231464E6415}" type="datetimeFigureOut">
               <a:rPr lang="en-US" smtClean="0"/>
-              <a:t>12/6/23</a:t>
+              <a:t>12/19/2023</a:t>
             </a:fld>
             <a:endParaRPr lang="en-US"/>
           </a:p>
@@ -4120,7 +3908,7 @@
           <a:p>
             <a:fld id="{B1836D41-3C4D-1D49-AA54-4231464E6415}" type="datetimeFigureOut">
               <a:rPr lang="en-US" smtClean="0"/>
-              <a:t>12/6/23</a:t>
+              <a:t>12/19/2023</a:t>
             </a:fld>
             <a:endParaRPr lang="en-US"/>
           </a:p>
@@ -4609,7 +4397,7 @@
                 <a:ea typeface="Calibri" panose="020F0502020204030204" pitchFamily="34" charset="0"/>
                 <a:cs typeface="Times New Roman" panose="02020603050405020304" pitchFamily="18" charset="0"/>
               </a:rPr>
-              <a:t>with Collective Communication</a:t>
+              <a:t>with Collective Communications</a:t>
             </a:r>
           </a:p>
         </p:txBody>
@@ -4738,49 +4526,69 @@
       </p:pic>
       <p:pic>
         <p:nvPicPr>
-          <p:cNvPr id="4" name="Picture 2" descr="Product - Chip - Cerebras">
+          <p:cNvPr id="2" name="Picture 1">
             <a:extLst>
               <a:ext uri="{FF2B5EF4-FFF2-40B4-BE49-F238E27FC236}">
-                <a16:creationId xmlns:a16="http://schemas.microsoft.com/office/drawing/2014/main" id="{59064D1E-C053-1E43-5898-56E21257BFAC}"/>
+                <a16:creationId xmlns:a16="http://schemas.microsoft.com/office/drawing/2014/main" id="{0B785FC6-9B7B-980A-D281-D8ACB93980A4}"/>
               </a:ext>
             </a:extLst>
           </p:cNvPr>
           <p:cNvPicPr>
-            <a:picLocks noChangeAspect="1" noChangeArrowheads="1"/>
+            <a:picLocks noChangeAspect="1"/>
           </p:cNvPicPr>
           <p:nvPr/>
         </p:nvPicPr>
-        <p:blipFill>
-          <a:blip r:embed="rId6">
+        <p:blipFill rotWithShape="1">
+          <a:blip r:embed="rId6" cstate="print">
             <a:extLst>
               <a:ext uri="{28A0092B-C50C-407E-A947-70E740481C1C}">
-                <a14:useLocalDpi xmlns:a14="http://schemas.microsoft.com/office/drawing/2010/main" val="0"/>
+                <a14:useLocalDpi xmlns:a14="http://schemas.microsoft.com/office/drawing/2010/main"/>
               </a:ext>
             </a:extLst>
           </a:blip>
           <a:srcRect/>
-          <a:stretch>
-            <a:fillRect/>
-          </a:stretch>
+          <a:stretch/>
         </p:blipFill>
-        <p:spPr bwMode="auto">
+        <p:spPr>
           <a:xfrm>
-            <a:off x="4196979" y="2265153"/>
-            <a:ext cx="3570782" cy="3570782"/>
+            <a:off x="4727848" y="1980510"/>
+            <a:ext cx="7169412" cy="3724389"/>
           </a:xfrm>
           <a:prstGeom prst="rect">
             <a:avLst/>
           </a:prstGeom>
-          <a:noFill/>
-          <a:extLst>
-            <a:ext uri="{909E8E84-426E-40DD-AFC4-6F175D3DCCD1}">
-              <a14:hiddenFill xmlns:a14="http://schemas.microsoft.com/office/drawing/2010/main">
-                <a:solidFill>
-                  <a:srgbClr val="FFFFFF"/>
-                </a:solidFill>
-              </a14:hiddenFill>
-            </a:ext>
-          </a:extLst>
+        </p:spPr>
+      </p:pic>
+      <p:pic>
+        <p:nvPicPr>
+          <p:cNvPr id="5" name="Picture 4">
+            <a:extLst>
+              <a:ext uri="{FF2B5EF4-FFF2-40B4-BE49-F238E27FC236}">
+                <a16:creationId xmlns:a16="http://schemas.microsoft.com/office/drawing/2014/main" id="{2D2EE975-D449-012E-2EE6-92AB242B41FA}"/>
+              </a:ext>
+              <a:ext uri="{C183D7F6-B498-43B3-948B-1728B52AA6E4}">
+                <adec:decorative xmlns:adec="http://schemas.microsoft.com/office/drawing/2017/decorative" val="1"/>
+              </a:ext>
+            </a:extLst>
+          </p:cNvPr>
+          <p:cNvPicPr>
+            <a:picLocks noChangeAspect="1"/>
+          </p:cNvPicPr>
+          <p:nvPr/>
+        </p:nvPicPr>
+        <p:blipFill rotWithShape="1">
+          <a:blip r:embed="rId7"/>
+          <a:srcRect l="20566" r="17432"/>
+          <a:stretch/>
+        </p:blipFill>
+        <p:spPr>
+          <a:xfrm>
+            <a:off x="586267" y="1967307"/>
+            <a:ext cx="3052344" cy="3892770"/>
+          </a:xfrm>
+          <a:prstGeom prst="rect">
+            <a:avLst/>
+          </a:prstGeom>
         </p:spPr>
       </p:pic>
     </p:spTree>
@@ -4849,7 +4657,7 @@
           <a:p>
             <a:r>
               <a:rPr lang="en-US" dirty="0"/>
-              <a:t>Perform final reduction step using collective communications library</a:t>
+              <a:t>Perform final reduction step using the collective communications library</a:t>
             </a:r>
           </a:p>
           <a:p>
@@ -4992,8 +4800,8 @@
         </p:nvSpPr>
         <p:spPr>
           <a:xfrm>
-            <a:off x="361543" y="1556792"/>
-            <a:ext cx="10998200" cy="4824518"/>
+            <a:off x="361543" y="2204864"/>
+            <a:ext cx="6670560" cy="4176446"/>
           </a:xfrm>
         </p:spPr>
         <p:txBody>
@@ -5007,7 +4815,7 @@
               <a:t>In </a:t>
             </a:r>
             <a:r>
-              <a:rPr lang="en-US" dirty="0" err="1"/>
+              <a:rPr lang="en-US" i="1" dirty="0" err="1"/>
               <a:t>pe_program.csl</a:t>
             </a:r>
             <a:r>
@@ -5016,6 +4824,7 @@
             </a:r>
           </a:p>
           <a:p>
+            <a:pPr lvl="1"/>
             <a:r>
               <a:rPr lang="en-US" dirty="0"/>
               <a:t>TO DO 1: Fill in </a:t>
@@ -5030,12 +4839,22 @@
             </a:r>
           </a:p>
           <a:p>
+            <a:pPr marL="274320" lvl="1" indent="0">
+              <a:buNone/>
+            </a:pPr>
             <a:endParaRPr lang="en-US" dirty="0"/>
           </a:p>
           <a:p>
             <a:r>
               <a:rPr lang="en-US" dirty="0"/>
-              <a:t>TO DO 2: What needs to be changed to run on more than 2, say 4 PEs?</a:t>
+              <a:t>Once you have this running, let’s scale it</a:t>
+            </a:r>
+          </a:p>
+          <a:p>
+            <a:pPr lvl="1"/>
+            <a:r>
+              <a:rPr lang="en-US" dirty="0"/>
+              <a:t>TO DO 2: What needs to be changed to run on more than 2 PEs, initially let’s say 4 PEs and then increasing this number</a:t>
             </a:r>
           </a:p>
           <a:p>
@@ -5071,7 +4890,291 @@
           <a:p>
             <a:r>
               <a:rPr lang="en-US" dirty="0"/>
-              <a:t>To do:</a:t>
+              <a:t>What you must do here</a:t>
+            </a:r>
+          </a:p>
+        </p:txBody>
+      </p:sp>
+      <p:cxnSp>
+        <p:nvCxnSpPr>
+          <p:cNvPr id="4" name="Straight Connector 3">
+            <a:extLst>
+              <a:ext uri="{FF2B5EF4-FFF2-40B4-BE49-F238E27FC236}">
+                <a16:creationId xmlns:a16="http://schemas.microsoft.com/office/drawing/2014/main" id="{3C88AC85-1E22-9E6B-27CA-400FD504DE5F}"/>
+              </a:ext>
+            </a:extLst>
+          </p:cNvPr>
+          <p:cNvCxnSpPr/>
+          <p:nvPr/>
+        </p:nvCxnSpPr>
+        <p:spPr>
+          <a:xfrm>
+            <a:off x="7896200" y="2348880"/>
+            <a:ext cx="0" cy="2952328"/>
+          </a:xfrm>
+          <a:prstGeom prst="line">
+            <a:avLst/>
+          </a:prstGeom>
+          <a:ln w="22225">
+            <a:solidFill>
+              <a:srgbClr val="0070C0"/>
+            </a:solidFill>
+          </a:ln>
+        </p:spPr>
+        <p:style>
+          <a:lnRef idx="1">
+            <a:schemeClr val="accent1"/>
+          </a:lnRef>
+          <a:fillRef idx="0">
+            <a:schemeClr val="accent1"/>
+          </a:fillRef>
+          <a:effectRef idx="0">
+            <a:schemeClr val="accent1"/>
+          </a:effectRef>
+          <a:fontRef idx="minor">
+            <a:schemeClr val="tx1"/>
+          </a:fontRef>
+        </p:style>
+      </p:cxnSp>
+      <p:sp>
+        <p:nvSpPr>
+          <p:cNvPr id="5" name="TextBox 4">
+            <a:extLst>
+              <a:ext uri="{FF2B5EF4-FFF2-40B4-BE49-F238E27FC236}">
+                <a16:creationId xmlns:a16="http://schemas.microsoft.com/office/drawing/2014/main" id="{5F86B687-54CC-6F1F-7CC9-AFB8E066DB32}"/>
+              </a:ext>
+            </a:extLst>
+          </p:cNvPr>
+          <p:cNvSpPr txBox="1"/>
+          <p:nvPr/>
+        </p:nvSpPr>
+        <p:spPr>
+          <a:xfrm>
+            <a:off x="8261636" y="1916832"/>
+            <a:ext cx="3600397" cy="523220"/>
+          </a:xfrm>
+          <a:prstGeom prst="rect">
+            <a:avLst/>
+          </a:prstGeom>
+          <a:noFill/>
+        </p:spPr>
+        <p:txBody>
+          <a:bodyPr wrap="square" rtlCol="0">
+            <a:spAutoFit/>
+          </a:bodyPr>
+          <a:lstStyle/>
+          <a:p>
+            <a:pPr algn="ctr"/>
+            <a:r>
+              <a:rPr lang="en-GB" sz="2800" dirty="0">
+                <a:solidFill>
+                  <a:srgbClr val="00B050"/>
+                </a:solidFill>
+              </a:rPr>
+              <a:t>Hints</a:t>
+            </a:r>
+          </a:p>
+        </p:txBody>
+      </p:sp>
+      <p:sp>
+        <p:nvSpPr>
+          <p:cNvPr id="6" name="Content Placeholder 2">
+            <a:extLst>
+              <a:ext uri="{FF2B5EF4-FFF2-40B4-BE49-F238E27FC236}">
+                <a16:creationId xmlns:a16="http://schemas.microsoft.com/office/drawing/2014/main" id="{DAD5E8A0-9BF3-1D77-17A7-CD7BFA976308}"/>
+              </a:ext>
+            </a:extLst>
+          </p:cNvPr>
+          <p:cNvSpPr txBox="1">
+            <a:spLocks/>
+          </p:cNvSpPr>
+          <p:nvPr/>
+        </p:nvSpPr>
+        <p:spPr>
+          <a:xfrm>
+            <a:off x="8088160" y="2744924"/>
+            <a:ext cx="3947348" cy="2160240"/>
+          </a:xfrm>
+          <a:prstGeom prst="rect">
+            <a:avLst/>
+          </a:prstGeom>
+        </p:spPr>
+        <p:txBody>
+          <a:bodyPr vert="horz" lIns="91440" tIns="45720" rIns="91440" bIns="45720" rtlCol="0">
+            <a:normAutofit/>
+          </a:bodyPr>
+          <a:lstStyle>
+            <a:lvl1pPr marL="182880" indent="-182880" algn="l" defTabSz="914400" rtl="0" eaLnBrk="1" latinLnBrk="0" hangingPunct="1">
+              <a:spcBef>
+                <a:spcPct val="20000"/>
+              </a:spcBef>
+              <a:buClr>
+                <a:schemeClr val="accent1"/>
+              </a:buClr>
+              <a:buSzPct val="85000"/>
+              <a:buFont typeface="Arial" pitchFamily="34" charset="0"/>
+              <a:buChar char="•"/>
+              <a:defRPr sz="2400" kern="1200">
+                <a:solidFill>
+                  <a:schemeClr val="tx1"/>
+                </a:solidFill>
+                <a:latin typeface="+mn-lt"/>
+                <a:ea typeface="+mn-ea"/>
+                <a:cs typeface="+mn-cs"/>
+              </a:defRPr>
+            </a:lvl1pPr>
+            <a:lvl2pPr marL="457200" indent="-182880" algn="l" defTabSz="914400" rtl="0" eaLnBrk="1" latinLnBrk="0" hangingPunct="1">
+              <a:spcBef>
+                <a:spcPct val="20000"/>
+              </a:spcBef>
+              <a:buClr>
+                <a:schemeClr val="accent1"/>
+              </a:buClr>
+              <a:buSzPct val="85000"/>
+              <a:buFont typeface="Arial" pitchFamily="34" charset="0"/>
+              <a:buChar char="•"/>
+              <a:defRPr sz="2000" kern="1200">
+                <a:solidFill>
+                  <a:schemeClr val="tx1"/>
+                </a:solidFill>
+                <a:latin typeface="+mn-lt"/>
+                <a:ea typeface="+mn-ea"/>
+                <a:cs typeface="+mn-cs"/>
+              </a:defRPr>
+            </a:lvl2pPr>
+            <a:lvl3pPr marL="731520" indent="-182880" algn="l" defTabSz="914400" rtl="0" eaLnBrk="1" latinLnBrk="0" hangingPunct="1">
+              <a:spcBef>
+                <a:spcPct val="20000"/>
+              </a:spcBef>
+              <a:buClr>
+                <a:schemeClr val="accent1"/>
+              </a:buClr>
+              <a:buSzPct val="90000"/>
+              <a:buFont typeface="Arial" pitchFamily="34" charset="0"/>
+              <a:buChar char="•"/>
+              <a:defRPr sz="1800" kern="1200">
+                <a:solidFill>
+                  <a:schemeClr val="tx1"/>
+                </a:solidFill>
+                <a:latin typeface="+mn-lt"/>
+                <a:ea typeface="+mn-ea"/>
+                <a:cs typeface="+mn-cs"/>
+              </a:defRPr>
+            </a:lvl3pPr>
+            <a:lvl4pPr marL="1005840" indent="-182880" algn="l" defTabSz="914400" rtl="0" eaLnBrk="1" latinLnBrk="0" hangingPunct="1">
+              <a:spcBef>
+                <a:spcPct val="20000"/>
+              </a:spcBef>
+              <a:buClr>
+                <a:schemeClr val="accent1"/>
+              </a:buClr>
+              <a:buFont typeface="Arial" pitchFamily="34" charset="0"/>
+              <a:buChar char="•"/>
+              <a:defRPr sz="1600" kern="1200">
+                <a:solidFill>
+                  <a:schemeClr val="tx1"/>
+                </a:solidFill>
+                <a:latin typeface="+mn-lt"/>
+                <a:ea typeface="+mn-ea"/>
+                <a:cs typeface="+mn-cs"/>
+              </a:defRPr>
+            </a:lvl4pPr>
+            <a:lvl5pPr marL="1188720" indent="-137160" algn="l" defTabSz="914400" rtl="0" eaLnBrk="1" latinLnBrk="0" hangingPunct="1">
+              <a:spcBef>
+                <a:spcPct val="20000"/>
+              </a:spcBef>
+              <a:buClr>
+                <a:schemeClr val="accent1"/>
+              </a:buClr>
+              <a:buSzPct val="100000"/>
+              <a:buFont typeface="Arial" pitchFamily="34" charset="0"/>
+              <a:buChar char="•"/>
+              <a:defRPr sz="1400" kern="1200" baseline="0">
+                <a:solidFill>
+                  <a:schemeClr val="tx1"/>
+                </a:solidFill>
+                <a:latin typeface="+mn-lt"/>
+                <a:ea typeface="+mn-ea"/>
+                <a:cs typeface="+mn-cs"/>
+              </a:defRPr>
+            </a:lvl5pPr>
+            <a:lvl6pPr marL="1371600" indent="-182880" algn="l" defTabSz="914400" rtl="0" eaLnBrk="1" latinLnBrk="0" hangingPunct="1">
+              <a:spcBef>
+                <a:spcPct val="20000"/>
+              </a:spcBef>
+              <a:buClr>
+                <a:schemeClr val="accent1"/>
+              </a:buClr>
+              <a:buFont typeface="Arial" pitchFamily="34" charset="0"/>
+              <a:buChar char="•"/>
+              <a:defRPr sz="1300" kern="1200">
+                <a:solidFill>
+                  <a:schemeClr val="tx1"/>
+                </a:solidFill>
+                <a:latin typeface="+mn-lt"/>
+                <a:ea typeface="+mn-ea"/>
+                <a:cs typeface="+mn-cs"/>
+              </a:defRPr>
+            </a:lvl6pPr>
+            <a:lvl7pPr marL="1554480" indent="-182880" algn="l" defTabSz="914400" rtl="0" eaLnBrk="1" latinLnBrk="0" hangingPunct="1">
+              <a:spcBef>
+                <a:spcPct val="20000"/>
+              </a:spcBef>
+              <a:buClr>
+                <a:schemeClr val="accent1"/>
+              </a:buClr>
+              <a:buFont typeface="Arial" pitchFamily="34" charset="0"/>
+              <a:buChar char="•"/>
+              <a:defRPr sz="1300" kern="1200">
+                <a:solidFill>
+                  <a:schemeClr val="tx1"/>
+                </a:solidFill>
+                <a:latin typeface="+mn-lt"/>
+                <a:ea typeface="+mn-ea"/>
+                <a:cs typeface="+mn-cs"/>
+              </a:defRPr>
+            </a:lvl7pPr>
+            <a:lvl8pPr marL="1737360" indent="-182880" algn="l" defTabSz="914400" rtl="0" eaLnBrk="1" latinLnBrk="0" hangingPunct="1">
+              <a:spcBef>
+                <a:spcPct val="20000"/>
+              </a:spcBef>
+              <a:buClr>
+                <a:schemeClr val="accent1"/>
+              </a:buClr>
+              <a:buFont typeface="Arial" pitchFamily="34" charset="0"/>
+              <a:buChar char="•"/>
+              <a:defRPr sz="1300" kern="1200">
+                <a:solidFill>
+                  <a:schemeClr val="tx1"/>
+                </a:solidFill>
+                <a:latin typeface="+mn-lt"/>
+                <a:ea typeface="+mn-ea"/>
+                <a:cs typeface="+mn-cs"/>
+              </a:defRPr>
+            </a:lvl8pPr>
+            <a:lvl9pPr marL="1920240" indent="-182880" algn="l" defTabSz="914400" rtl="0" eaLnBrk="1" latinLnBrk="0" hangingPunct="1">
+              <a:spcBef>
+                <a:spcPct val="20000"/>
+              </a:spcBef>
+              <a:buClr>
+                <a:schemeClr val="accent1"/>
+              </a:buClr>
+              <a:buFont typeface="Arial" pitchFamily="34" charset="0"/>
+              <a:buChar char="•"/>
+              <a:defRPr sz="1300" kern="1200">
+                <a:solidFill>
+                  <a:schemeClr val="tx1"/>
+                </a:solidFill>
+                <a:latin typeface="+mn-lt"/>
+                <a:ea typeface="+mn-ea"/>
+                <a:cs typeface="+mn-cs"/>
+              </a:defRPr>
+            </a:lvl9pPr>
+          </a:lstStyle>
+          <a:p>
+            <a:r>
+              <a:rPr lang="en-US" dirty="0"/>
+              <a:t>Example of using the collective communications library from walk-through 7</a:t>
             </a:r>
           </a:p>
         </p:txBody>
@@ -5136,7 +5239,71 @@
           <a:p>
             <a:r>
               <a:rPr lang="en-US" dirty="0"/>
-              <a:t>Example of collective communications from walk-through 7</a:t>
+              <a:t>You need to initialize the communications library (it is fairly standard to instantiate this as </a:t>
+            </a:r>
+            <a:r>
+              <a:rPr lang="en-US" i="1" dirty="0" err="1"/>
+              <a:t>mpi</a:t>
+            </a:r>
+            <a:r>
+              <a:rPr lang="en-US" i="1" dirty="0"/>
+              <a:t> </a:t>
+            </a:r>
+            <a:r>
+              <a:rPr lang="en-US" dirty="0"/>
+              <a:t>as we have done in the exercise)</a:t>
+            </a:r>
+          </a:p>
+          <a:p>
+            <a:pPr lvl="1"/>
+            <a:r>
+              <a:rPr lang="en-US" dirty="0"/>
+              <a:t>Then issue the </a:t>
+            </a:r>
+            <a:r>
+              <a:rPr lang="en-US" i="1" dirty="0" err="1"/>
+              <a:t>mpi_x.init</a:t>
+            </a:r>
+            <a:r>
+              <a:rPr lang="en-US" dirty="0"/>
+              <a:t> function call</a:t>
+            </a:r>
+          </a:p>
+          <a:p>
+            <a:pPr lvl="1"/>
+            <a:r>
+              <a:rPr lang="en-US" dirty="0"/>
+              <a:t>To undertake the reduction we use the </a:t>
+            </a:r>
+            <a:r>
+              <a:rPr lang="en-US" i="1" dirty="0" err="1"/>
+              <a:t>reduce_fadds</a:t>
+            </a:r>
+            <a:r>
+              <a:rPr lang="en-US" i="1" dirty="0"/>
+              <a:t> </a:t>
+            </a:r>
+            <a:r>
+              <a:rPr lang="en-US" dirty="0"/>
+              <a:t>function from the library</a:t>
+            </a:r>
+          </a:p>
+          <a:p>
+            <a:pPr lvl="1"/>
+            <a:endParaRPr lang="en-US" i="1" dirty="0"/>
+          </a:p>
+          <a:p>
+            <a:r>
+              <a:rPr lang="en-US" dirty="0"/>
+              <a:t>Remember, you need to activate the </a:t>
+            </a:r>
+            <a:r>
+              <a:rPr lang="en-US" dirty="0" err="1"/>
+              <a:t>exit_task_id</a:t>
+            </a:r>
+            <a:r>
+              <a:rPr lang="en-US" dirty="0"/>
+              <a:t> as callback to run this task and clean up the stream</a:t>
             </a:r>
           </a:p>
           <a:p>
@@ -5172,137 +5339,7 @@
           <a:p>
             <a:r>
               <a:rPr lang="en-US" dirty="0"/>
-              <a:t>Hints:</a:t>
-            </a:r>
-          </a:p>
-        </p:txBody>
-      </p:sp>
-    </p:spTree>
-    <p:extLst>
-      <p:ext uri="{BB962C8B-B14F-4D97-AF65-F5344CB8AC3E}">
-        <p14:creationId xmlns:p14="http://schemas.microsoft.com/office/powerpoint/2010/main" val="568440342"/>
-      </p:ext>
-    </p:extLst>
-  </p:cSld>
-  <p:clrMapOvr>
-    <a:masterClrMapping/>
-  </p:clrMapOvr>
-</p:sld>
-</file>
-
-<file path=ppt/slides/slide5.xml><?xml version="1.0" encoding="utf-8"?>
-<p:sld xmlns:a="http://schemas.openxmlformats.org/drawingml/2006/main" xmlns:r="http://schemas.openxmlformats.org/officeDocument/2006/relationships" xmlns:p="http://schemas.openxmlformats.org/presentationml/2006/main">
-  <p:cSld>
-    <p:spTree>
-      <p:nvGrpSpPr>
-        <p:cNvPr id="1" name=""/>
-        <p:cNvGrpSpPr/>
-        <p:nvPr/>
-      </p:nvGrpSpPr>
-      <p:grpSpPr>
-        <a:xfrm>
-          <a:off x="0" y="0"/>
-          <a:ext cx="0" cy="0"/>
-          <a:chOff x="0" y="0"/>
-          <a:chExt cx="0" cy="0"/>
-        </a:xfrm>
-      </p:grpSpPr>
-      <p:sp>
-        <p:nvSpPr>
-          <p:cNvPr id="3" name="Content Placeholder 2">
-            <a:extLst>
-              <a:ext uri="{FF2B5EF4-FFF2-40B4-BE49-F238E27FC236}">
-                <a16:creationId xmlns:a16="http://schemas.microsoft.com/office/drawing/2014/main" id="{67061966-FAF3-F54F-95A0-AD61FD51424D}"/>
-              </a:ext>
-            </a:extLst>
-          </p:cNvPr>
-          <p:cNvSpPr>
-            <a:spLocks noGrp="1"/>
-          </p:cNvSpPr>
-          <p:nvPr>
-            <p:ph idx="1"/>
-          </p:nvPr>
-        </p:nvSpPr>
-        <p:spPr>
-          <a:xfrm>
-            <a:off x="361543" y="1556792"/>
-            <a:ext cx="10998200" cy="4824518"/>
-          </a:xfrm>
-        </p:spPr>
-        <p:txBody>
-          <a:bodyPr>
-            <a:normAutofit/>
-          </a:bodyPr>
-          <a:lstStyle/>
-          <a:p>
-            <a:r>
-              <a:rPr lang="en-US" dirty="0"/>
-              <a:t>Key points: </a:t>
-            </a:r>
-          </a:p>
-          <a:p>
-            <a:r>
-              <a:rPr lang="en-US" dirty="0" err="1"/>
-              <a:t>mpi_x.init</a:t>
-            </a:r>
-            <a:r>
-              <a:rPr lang="en-US" dirty="0"/>
-              <a:t>() + </a:t>
-            </a:r>
-            <a:r>
-              <a:rPr lang="en-US" dirty="0" err="1"/>
-              <a:t>reduce_fadds</a:t>
-            </a:r>
-            <a:endParaRPr lang="en-US" dirty="0"/>
-          </a:p>
-          <a:p>
-            <a:r>
-              <a:rPr lang="en-US" dirty="0"/>
-              <a:t>Need to activate </a:t>
-            </a:r>
-            <a:r>
-              <a:rPr lang="en-US" dirty="0" err="1"/>
-              <a:t>exit_task_id</a:t>
-            </a:r>
-            <a:r>
-              <a:rPr lang="en-US" dirty="0"/>
-              <a:t> as callback! </a:t>
-            </a:r>
-          </a:p>
-          <a:p>
-            <a:endParaRPr lang="en-US" dirty="0"/>
-          </a:p>
-        </p:txBody>
-      </p:sp>
-      <p:sp>
-        <p:nvSpPr>
-          <p:cNvPr id="2" name="Title 1">
-            <a:extLst>
-              <a:ext uri="{FF2B5EF4-FFF2-40B4-BE49-F238E27FC236}">
-                <a16:creationId xmlns:a16="http://schemas.microsoft.com/office/drawing/2014/main" id="{9C32B9BB-9B28-D34A-8B6B-CA0763BA5B81}"/>
-              </a:ext>
-            </a:extLst>
-          </p:cNvPr>
-          <p:cNvSpPr>
-            <a:spLocks noGrp="1"/>
-          </p:cNvSpPr>
-          <p:nvPr>
-            <p:ph type="title"/>
-          </p:nvPr>
-        </p:nvSpPr>
-        <p:spPr>
-          <a:xfrm>
-            <a:off x="361543" y="508958"/>
-            <a:ext cx="10998200" cy="795852"/>
-          </a:xfrm>
-        </p:spPr>
-        <p:txBody>
-          <a:bodyPr/>
-          <a:lstStyle/>
-          <a:p>
-            <a:r>
-              <a:rPr lang="en-US" dirty="0"/>
-              <a:t>Wash-up for ex3:</a:t>
+              <a:t>Wash-up for hands on exercise three:</a:t>
             </a:r>
           </a:p>
         </p:txBody>
@@ -5329,7 +5366,7 @@
         </p:blipFill>
         <p:spPr>
           <a:xfrm>
-            <a:off x="1271464" y="4365104"/>
+            <a:off x="1974443" y="4725144"/>
             <a:ext cx="7772400" cy="1374012"/>
           </a:xfrm>
           <a:prstGeom prst="rect">
@@ -5341,105 +5378,6 @@
     <p:extLst>
       <p:ext uri="{BB962C8B-B14F-4D97-AF65-F5344CB8AC3E}">
         <p14:creationId xmlns:p14="http://schemas.microsoft.com/office/powerpoint/2010/main" val="1406485005"/>
-      </p:ext>
-    </p:extLst>
-  </p:cSld>
-  <p:clrMapOvr>
-    <a:masterClrMapping/>
-  </p:clrMapOvr>
-</p:sld>
-</file>
-
-<file path=ppt/slides/slide6.xml><?xml version="1.0" encoding="utf-8"?>
-<p:sld xmlns:a="http://schemas.openxmlformats.org/drawingml/2006/main" xmlns:r="http://schemas.openxmlformats.org/officeDocument/2006/relationships" xmlns:p="http://schemas.openxmlformats.org/presentationml/2006/main">
-  <p:cSld>
-    <p:spTree>
-      <p:nvGrpSpPr>
-        <p:cNvPr id="1" name=""/>
-        <p:cNvGrpSpPr/>
-        <p:nvPr/>
-      </p:nvGrpSpPr>
-      <p:grpSpPr>
-        <a:xfrm>
-          <a:off x="0" y="0"/>
-          <a:ext cx="0" cy="0"/>
-          <a:chOff x="0" y="0"/>
-          <a:chExt cx="0" cy="0"/>
-        </a:xfrm>
-      </p:grpSpPr>
-      <p:sp>
-        <p:nvSpPr>
-          <p:cNvPr id="3" name="Content Placeholder 2">
-            <a:extLst>
-              <a:ext uri="{FF2B5EF4-FFF2-40B4-BE49-F238E27FC236}">
-                <a16:creationId xmlns:a16="http://schemas.microsoft.com/office/drawing/2014/main" id="{67061966-FAF3-F54F-95A0-AD61FD51424D}"/>
-              </a:ext>
-            </a:extLst>
-          </p:cNvPr>
-          <p:cNvSpPr>
-            <a:spLocks noGrp="1"/>
-          </p:cNvSpPr>
-          <p:nvPr>
-            <p:ph idx="1"/>
-          </p:nvPr>
-        </p:nvSpPr>
-        <p:spPr>
-          <a:xfrm>
-            <a:off x="361543" y="1556792"/>
-            <a:ext cx="10998200" cy="4824518"/>
-          </a:xfrm>
-        </p:spPr>
-        <p:txBody>
-          <a:bodyPr>
-            <a:normAutofit/>
-          </a:bodyPr>
-          <a:lstStyle/>
-          <a:p>
-            <a:r>
-              <a:rPr lang="en-AU" dirty="0"/>
-              <a:t>Questions?</a:t>
-            </a:r>
-            <a:endParaRPr lang="en-US" dirty="0"/>
-          </a:p>
-        </p:txBody>
-      </p:sp>
-      <p:sp>
-        <p:nvSpPr>
-          <p:cNvPr id="2" name="Title 1">
-            <a:extLst>
-              <a:ext uri="{FF2B5EF4-FFF2-40B4-BE49-F238E27FC236}">
-                <a16:creationId xmlns:a16="http://schemas.microsoft.com/office/drawing/2014/main" id="{9C32B9BB-9B28-D34A-8B6B-CA0763BA5B81}"/>
-              </a:ext>
-            </a:extLst>
-          </p:cNvPr>
-          <p:cNvSpPr>
-            <a:spLocks noGrp="1"/>
-          </p:cNvSpPr>
-          <p:nvPr>
-            <p:ph type="title"/>
-          </p:nvPr>
-        </p:nvSpPr>
-        <p:spPr>
-          <a:xfrm>
-            <a:off x="361543" y="508958"/>
-            <a:ext cx="10998200" cy="795852"/>
-          </a:xfrm>
-        </p:spPr>
-        <p:txBody>
-          <a:bodyPr/>
-          <a:lstStyle/>
-          <a:p>
-            <a:r>
-              <a:rPr lang="en-US" dirty="0"/>
-              <a:t>Wash-up for ex3:</a:t>
-            </a:r>
-          </a:p>
-        </p:txBody>
-      </p:sp>
-    </p:spTree>
-    <p:extLst>
-      <p:ext uri="{BB962C8B-B14F-4D97-AF65-F5344CB8AC3E}">
-        <p14:creationId xmlns:p14="http://schemas.microsoft.com/office/powerpoint/2010/main" val="3832980059"/>
       </p:ext>
     </p:extLst>
   </p:cSld>
